--- a/aula 04.pptx
+++ b/aula 04.pptx
@@ -38,8 +38,9 @@
     <p:sldId id="282" r:id="rId32"/>
     <p:sldId id="290" r:id="rId33"/>
     <p:sldId id="283" r:id="rId34"/>
-    <p:sldId id="291" r:id="rId35"/>
-    <p:sldId id="292" r:id="rId36"/>
+    <p:sldId id="294" r:id="rId35"/>
+    <p:sldId id="291" r:id="rId36"/>
+    <p:sldId id="292" r:id="rId37"/>
   </p:sldIdLst>
   <p:sldSz cx="12192000" cy="6858000"/>
   <p:notesSz cx="6858000" cy="9144000"/>
@@ -9028,27 +9029,32 @@
             <p:ph idx="1"/>
           </p:nvPr>
         </p:nvSpPr>
-        <p:spPr/>
+        <p:spPr>
+          <a:xfrm>
+            <a:off x="838200" y="1825625"/>
+            <a:ext cx="10515600" cy="4667250"/>
+          </a:xfrm>
+        </p:spPr>
         <p:txBody>
           <a:bodyPr>
-            <a:normAutofit fontScale="92500" lnSpcReduction="20000"/>
+            <a:normAutofit fontScale="25000" lnSpcReduction="20000"/>
           </a:bodyPr>
           <a:lstStyle/>
           <a:p>
             <a:r>
-              <a:rPr lang="pt-BR" dirty="0"/>
+              <a:rPr lang="pt-BR" sz="9600" dirty="0"/>
               <a:t>Uma das grandes vantagens de se utilizar o R é a quantidade de dados que podem ser importados através da internet.</a:t>
             </a:r>
           </a:p>
           <a:p>
-            <a:endParaRPr lang="pt-BR" dirty="0"/>
+            <a:endParaRPr lang="pt-BR" sz="9600" dirty="0"/>
           </a:p>
           <a:p>
             <a:pPr marL="0" indent="0">
               <a:buNone/>
             </a:pPr>
             <a:r>
-              <a:rPr lang="pt-BR" dirty="0"/>
+              <a:rPr lang="pt-BR" sz="9600" dirty="0"/>
               <a:t>Exemplo:</a:t>
             </a:r>
           </a:p>
@@ -9057,7 +9063,7 @@
               <a:buNone/>
             </a:pPr>
             <a:r>
-              <a:rPr lang="en-US" dirty="0"/>
+              <a:rPr lang="en-US" sz="9600" dirty="0"/>
               <a:t>library(curl)</a:t>
             </a:r>
           </a:p>
@@ -9066,27 +9072,27 @@
               <a:buNone/>
             </a:pPr>
             <a:r>
-              <a:rPr lang="en-US" dirty="0" err="1"/>
+              <a:rPr lang="en-US" sz="9600" dirty="0" err="1"/>
               <a:t>arq</a:t>
             </a:r>
             <a:r>
-              <a:rPr lang="en-US" dirty="0"/>
+              <a:rPr lang="en-US" sz="9600" dirty="0"/>
               <a:t> &lt;- read.csv( curl("https://raw.githubusercontent.com/</a:t>
             </a:r>
             <a:r>
-              <a:rPr lang="en-US" dirty="0" err="1"/>
+              <a:rPr lang="en-US" sz="9600" dirty="0" err="1"/>
               <a:t>dourivaljunior</a:t>
             </a:r>
             <a:r>
-              <a:rPr lang="en-US" dirty="0"/>
+              <a:rPr lang="en-US" sz="9600" dirty="0"/>
               <a:t>/</a:t>
             </a:r>
             <a:r>
-              <a:rPr lang="en-US" dirty="0" err="1"/>
+              <a:rPr lang="en-US" sz="9600" dirty="0" err="1"/>
               <a:t>Curso</a:t>
             </a:r>
             <a:r>
-              <a:rPr lang="en-US" dirty="0"/>
+              <a:rPr lang="en-US" sz="9600" dirty="0"/>
               <a:t>-de-Python/6905278b456d334a84f0e5c84102260340431943/arquivo_departamento.csv") )</a:t>
             </a:r>
           </a:p>
@@ -9095,15 +9101,15 @@
               <a:buNone/>
             </a:pPr>
             <a:r>
-              <a:rPr lang="en-US" dirty="0"/>
+              <a:rPr lang="en-US" sz="9600" dirty="0"/>
               <a:t>print(head(</a:t>
             </a:r>
             <a:r>
-              <a:rPr lang="en-US" dirty="0" err="1"/>
+              <a:rPr lang="en-US" sz="9600" dirty="0" err="1"/>
               <a:t>arq</a:t>
             </a:r>
             <a:r>
-              <a:rPr lang="en-US" dirty="0"/>
+              <a:rPr lang="en-US" sz="9600" dirty="0"/>
               <a:t>))</a:t>
             </a:r>
           </a:p>
@@ -9111,10 +9117,34 @@
             <a:pPr marL="0" indent="0">
               <a:buNone/>
             </a:pPr>
+            <a:r>
+              <a:rPr lang="en-US" sz="9600" dirty="0"/>
+              <a:t>LINK:</a:t>
+            </a:r>
+          </a:p>
+          <a:p>
+            <a:pPr marL="0" indent="0">
+              <a:buNone/>
+            </a:pPr>
+            <a:r>
+              <a:rPr lang="en-US" sz="9600" dirty="0"/>
+              <a:t>https://raw.githubusercontent.com/dourivaljunior/Curso-de-Python/main/arquivo_departamento.csv</a:t>
+            </a:r>
+          </a:p>
+          <a:p>
+            <a:pPr marL="0" indent="0">
+              <a:buNone/>
+            </a:pPr>
+            <a:endParaRPr lang="en-US" sz="9600" dirty="0"/>
+          </a:p>
+          <a:p>
+            <a:pPr marL="0" indent="0">
+              <a:buNone/>
+            </a:pPr>
             <a:br>
-              <a:rPr lang="en-US" dirty="0"/>
+              <a:rPr lang="en-US" sz="7400" dirty="0"/>
             </a:br>
-            <a:endParaRPr lang="en-US" dirty="0"/>
+            <a:endParaRPr lang="en-US" sz="7400" dirty="0"/>
           </a:p>
           <a:p>
             <a:endParaRPr lang="pt-BR" b="0" i="0" dirty="0">
@@ -9165,7 +9195,7 @@
           <p:cNvPr id="2" name="Título 1">
             <a:extLst>
               <a:ext uri="{FF2B5EF4-FFF2-40B4-BE49-F238E27FC236}">
-                <a16:creationId xmlns:a16="http://schemas.microsoft.com/office/drawing/2014/main" id="{B2563C3F-B861-A219-7841-E54DB3C2A2E9}"/>
+                <a16:creationId xmlns:a16="http://schemas.microsoft.com/office/drawing/2014/main" id="{4F05497B-2E65-31C0-8287-5283389F6FBD}"/>
               </a:ext>
             </a:extLst>
           </p:cNvPr>
@@ -9183,8 +9213,13 @@
           <a:p>
             <a:r>
               <a:rPr lang="pt-BR" dirty="0"/>
-              <a:t>Download de um arquivo de uma URL</a:t>
-            </a:r>
+              <a:t>No </a:t>
+            </a:r>
+            <a:r>
+              <a:rPr lang="pt-BR" dirty="0" err="1"/>
+              <a:t>github</a:t>
+            </a:r>
+            <a:endParaRPr lang="pt-BR" dirty="0"/>
           </a:p>
         </p:txBody>
       </p:sp>
@@ -9193,7 +9228,7 @@
           <p:cNvPr id="3" name="Espaço Reservado para Conteúdo 2">
             <a:extLst>
               <a:ext uri="{FF2B5EF4-FFF2-40B4-BE49-F238E27FC236}">
-                <a16:creationId xmlns:a16="http://schemas.microsoft.com/office/drawing/2014/main" id="{C76F00D4-78CA-053B-767C-BECF360736F1}"/>
+                <a16:creationId xmlns:a16="http://schemas.microsoft.com/office/drawing/2014/main" id="{DD261965-A0DB-B94E-FAE5-1B011E876FF9}"/>
               </a:ext>
             </a:extLst>
           </p:cNvPr>
@@ -9209,91 +9244,43 @@
           <a:bodyPr/>
           <a:lstStyle/>
           <a:p>
-            <a:pPr marL="0" indent="0">
-              <a:buNone/>
-            </a:pPr>
-            <a:r>
-              <a:rPr lang="pt-BR" dirty="0" err="1"/>
-              <a:t>download.file</a:t>
-            </a:r>
-            <a:r>
-              <a:rPr lang="pt-BR" dirty="0"/>
-              <a:t>(“</a:t>
-            </a:r>
-            <a:r>
-              <a:rPr lang="pt-BR" dirty="0" err="1"/>
-              <a:t>url</a:t>
-            </a:r>
-            <a:r>
-              <a:rPr lang="pt-BR" dirty="0"/>
-              <a:t>”, ”path/</a:t>
-            </a:r>
-            <a:r>
-              <a:rPr lang="pt-BR" dirty="0" err="1"/>
-              <a:t>nome_novo_do_arquivo.extensão</a:t>
-            </a:r>
-            <a:r>
-              <a:rPr lang="pt-BR" dirty="0"/>
-              <a:t>”)</a:t>
-            </a:r>
-          </a:p>
-          <a:p>
-            <a:pPr marL="0" indent="0">
-              <a:buNone/>
-            </a:pPr>
-            <a:endParaRPr lang="pt-BR" dirty="0"/>
-          </a:p>
-          <a:p>
-            <a:pPr marL="0" indent="0">
-              <a:buNone/>
-            </a:pPr>
-            <a:r>
-              <a:rPr lang="pt-BR" dirty="0" err="1"/>
-              <a:t>download.file</a:t>
-            </a:r>
-            <a:r>
-              <a:rPr lang="pt-BR" dirty="0"/>
-              <a:t>("https://raw.githubusercontent.com/</a:t>
-            </a:r>
-            <a:r>
-              <a:rPr lang="pt-BR" dirty="0" err="1"/>
-              <a:t>dourivaljunior</a:t>
-            </a:r>
-            <a:r>
-              <a:rPr lang="pt-BR" dirty="0"/>
-              <a:t>/Curso-de-Python/6905278b456d334a84f0e5c84102260340431943/arquivo_departamento.csv", "C:/Downloads/teste100.csv") </a:t>
-            </a:r>
-          </a:p>
-          <a:p>
-            <a:pPr marL="0" indent="0">
-              <a:buNone/>
-            </a:pPr>
-            <a:br>
-              <a:rPr lang="pt-BR" b="0" dirty="0">
-                <a:solidFill>
-                  <a:srgbClr val="D4D4D4"/>
-                </a:solidFill>
-                <a:effectLst/>
-                <a:latin typeface="Consolas" panose="020B0609020204030204" pitchFamily="49" charset="0"/>
-              </a:rPr>
-            </a:br>
-            <a:endParaRPr lang="pt-BR" b="0" dirty="0">
-              <a:solidFill>
-                <a:srgbClr val="D4D4D4"/>
-              </a:solidFill>
-              <a:effectLst/>
-              <a:latin typeface="Consolas" panose="020B0609020204030204" pitchFamily="49" charset="0"/>
-            </a:endParaRPr>
-          </a:p>
-          <a:p>
-            <a:endParaRPr lang="pt-BR" dirty="0"/>
-          </a:p>
-        </p:txBody>
-      </p:sp>
+            <a:endParaRPr lang="pt-BR"/>
+          </a:p>
+        </p:txBody>
+      </p:sp>
+      <p:pic>
+        <p:nvPicPr>
+          <p:cNvPr id="5" name="Imagem 4">
+            <a:extLst>
+              <a:ext uri="{FF2B5EF4-FFF2-40B4-BE49-F238E27FC236}">
+                <a16:creationId xmlns:a16="http://schemas.microsoft.com/office/drawing/2014/main" id="{CA009B6B-7BF0-0980-16AC-CB6B3B32EF11}"/>
+              </a:ext>
+            </a:extLst>
+          </p:cNvPr>
+          <p:cNvPicPr>
+            <a:picLocks noChangeAspect="1"/>
+          </p:cNvPicPr>
+          <p:nvPr/>
+        </p:nvPicPr>
+        <p:blipFill rotWithShape="1">
+          <a:blip r:embed="rId2"/>
+          <a:srcRect l="13751" t="5303" r="13913" b="20372"/>
+          <a:stretch/>
+        </p:blipFill>
+        <p:spPr>
+          <a:xfrm>
+            <a:off x="1832113" y="1268378"/>
+            <a:ext cx="8819324" cy="5094771"/>
+          </a:xfrm>
+          <a:prstGeom prst="rect">
+            <a:avLst/>
+          </a:prstGeom>
+        </p:spPr>
+      </p:pic>
     </p:spTree>
     <p:extLst>
       <p:ext uri="{BB962C8B-B14F-4D97-AF65-F5344CB8AC3E}">
-        <p14:creationId xmlns:p14="http://schemas.microsoft.com/office/powerpoint/2010/main" val="1695677136"/>
+        <p14:creationId xmlns:p14="http://schemas.microsoft.com/office/powerpoint/2010/main" val="2629673296"/>
       </p:ext>
     </p:extLst>
   </p:cSld>
@@ -9325,6 +9312,166 @@
           <p:cNvPr id="2" name="Título 1">
             <a:extLst>
               <a:ext uri="{FF2B5EF4-FFF2-40B4-BE49-F238E27FC236}">
+                <a16:creationId xmlns:a16="http://schemas.microsoft.com/office/drawing/2014/main" id="{B2563C3F-B861-A219-7841-E54DB3C2A2E9}"/>
+              </a:ext>
+            </a:extLst>
+          </p:cNvPr>
+          <p:cNvSpPr>
+            <a:spLocks noGrp="1"/>
+          </p:cNvSpPr>
+          <p:nvPr>
+            <p:ph type="title"/>
+          </p:nvPr>
+        </p:nvSpPr>
+        <p:spPr/>
+        <p:txBody>
+          <a:bodyPr/>
+          <a:lstStyle/>
+          <a:p>
+            <a:r>
+              <a:rPr lang="pt-BR" dirty="0"/>
+              <a:t>Download de um arquivo de uma URL</a:t>
+            </a:r>
+          </a:p>
+        </p:txBody>
+      </p:sp>
+      <p:sp>
+        <p:nvSpPr>
+          <p:cNvPr id="3" name="Espaço Reservado para Conteúdo 2">
+            <a:extLst>
+              <a:ext uri="{FF2B5EF4-FFF2-40B4-BE49-F238E27FC236}">
+                <a16:creationId xmlns:a16="http://schemas.microsoft.com/office/drawing/2014/main" id="{C76F00D4-78CA-053B-767C-BECF360736F1}"/>
+              </a:ext>
+            </a:extLst>
+          </p:cNvPr>
+          <p:cNvSpPr>
+            <a:spLocks noGrp="1"/>
+          </p:cNvSpPr>
+          <p:nvPr>
+            <p:ph idx="1"/>
+          </p:nvPr>
+        </p:nvSpPr>
+        <p:spPr/>
+        <p:txBody>
+          <a:bodyPr/>
+          <a:lstStyle/>
+          <a:p>
+            <a:pPr marL="0" indent="0">
+              <a:buNone/>
+            </a:pPr>
+            <a:r>
+              <a:rPr lang="pt-BR" dirty="0" err="1"/>
+              <a:t>download.file</a:t>
+            </a:r>
+            <a:r>
+              <a:rPr lang="pt-BR" dirty="0"/>
+              <a:t>(“</a:t>
+            </a:r>
+            <a:r>
+              <a:rPr lang="pt-BR" dirty="0" err="1"/>
+              <a:t>url</a:t>
+            </a:r>
+            <a:r>
+              <a:rPr lang="pt-BR" dirty="0"/>
+              <a:t>”, ”path/</a:t>
+            </a:r>
+            <a:r>
+              <a:rPr lang="pt-BR" dirty="0" err="1"/>
+              <a:t>nome_novo_do_arquivo.extensão</a:t>
+            </a:r>
+            <a:r>
+              <a:rPr lang="pt-BR" dirty="0"/>
+              <a:t>”)</a:t>
+            </a:r>
+          </a:p>
+          <a:p>
+            <a:pPr marL="0" indent="0">
+              <a:buNone/>
+            </a:pPr>
+            <a:endParaRPr lang="pt-BR" dirty="0"/>
+          </a:p>
+          <a:p>
+            <a:pPr marL="0" indent="0">
+              <a:buNone/>
+            </a:pPr>
+            <a:r>
+              <a:rPr lang="pt-BR" dirty="0" err="1"/>
+              <a:t>download.file</a:t>
+            </a:r>
+            <a:r>
+              <a:rPr lang="pt-BR" dirty="0"/>
+              <a:t>("https://raw.githubusercontent.com/</a:t>
+            </a:r>
+            <a:r>
+              <a:rPr lang="pt-BR" dirty="0" err="1"/>
+              <a:t>dourivaljunior</a:t>
+            </a:r>
+            <a:r>
+              <a:rPr lang="pt-BR" dirty="0"/>
+              <a:t>/Curso-de-Python/6905278b456d334a84f0e5c84102260340431943/arquivo_departamento.csv", "C:/Downloads/teste100.csv") </a:t>
+            </a:r>
+          </a:p>
+          <a:p>
+            <a:pPr marL="0" indent="0">
+              <a:buNone/>
+            </a:pPr>
+            <a:br>
+              <a:rPr lang="pt-BR" b="0" dirty="0">
+                <a:solidFill>
+                  <a:srgbClr val="D4D4D4"/>
+                </a:solidFill>
+                <a:effectLst/>
+                <a:latin typeface="Consolas" panose="020B0609020204030204" pitchFamily="49" charset="0"/>
+              </a:rPr>
+            </a:br>
+            <a:endParaRPr lang="pt-BR" b="0" dirty="0">
+              <a:solidFill>
+                <a:srgbClr val="D4D4D4"/>
+              </a:solidFill>
+              <a:effectLst/>
+              <a:latin typeface="Consolas" panose="020B0609020204030204" pitchFamily="49" charset="0"/>
+            </a:endParaRPr>
+          </a:p>
+          <a:p>
+            <a:endParaRPr lang="pt-BR" dirty="0"/>
+          </a:p>
+        </p:txBody>
+      </p:sp>
+    </p:spTree>
+    <p:extLst>
+      <p:ext uri="{BB962C8B-B14F-4D97-AF65-F5344CB8AC3E}">
+        <p14:creationId xmlns:p14="http://schemas.microsoft.com/office/powerpoint/2010/main" val="1695677136"/>
+      </p:ext>
+    </p:extLst>
+  </p:cSld>
+  <p:clrMapOvr>
+    <a:masterClrMapping/>
+  </p:clrMapOvr>
+</p:sld>
+</file>
+
+<file path=ppt/slides/slide36.xml><?xml version="1.0" encoding="utf-8"?>
+<p:sld xmlns:a="http://schemas.openxmlformats.org/drawingml/2006/main" xmlns:r="http://schemas.openxmlformats.org/officeDocument/2006/relationships" xmlns:p="http://schemas.openxmlformats.org/presentationml/2006/main">
+  <p:cSld>
+    <p:spTree>
+      <p:nvGrpSpPr>
+        <p:cNvPr id="1" name=""/>
+        <p:cNvGrpSpPr/>
+        <p:nvPr/>
+      </p:nvGrpSpPr>
+      <p:grpSpPr>
+        <a:xfrm>
+          <a:off x="0" y="0"/>
+          <a:ext cx="0" cy="0"/>
+          <a:chOff x="0" y="0"/>
+          <a:chExt cx="0" cy="0"/>
+        </a:xfrm>
+      </p:grpSpPr>
+      <p:sp>
+        <p:nvSpPr>
+          <p:cNvPr id="2" name="Título 1">
+            <a:extLst>
+              <a:ext uri="{FF2B5EF4-FFF2-40B4-BE49-F238E27FC236}">
                 <a16:creationId xmlns:a16="http://schemas.microsoft.com/office/drawing/2014/main" id="{90196F27-E62B-3C74-5A5B-8CF57A16DB91}"/>
               </a:ext>
             </a:extLst>
@@ -9369,7 +9516,7 @@
           <a:bodyPr/>
           <a:lstStyle/>
           <a:p>
-            <a:endParaRPr lang="pt-BR"/>
+            <a:endParaRPr lang="pt-BR" dirty="0"/>
           </a:p>
         </p:txBody>
       </p:sp>
